--- a/Ethical Hacking notes.pptx
+++ b/Ethical Hacking notes.pptx
@@ -7,6 +7,8 @@
   <p:sldIdLst>
     <p:sldId id="256" r:id="rId2"/>
     <p:sldId id="257" r:id="rId3"/>
+    <p:sldId id="258" r:id="rId4"/>
+    <p:sldId id="259" r:id="rId5"/>
   </p:sldIdLst>
   <p:sldSz cx="12192000" cy="6858000"/>
   <p:notesSz cx="6858000" cy="9144000"/>
@@ -105,6 +107,11 @@
       </a:defRPr>
     </a:lvl9pPr>
   </p:defaultTextStyle>
+  <p:extLst>
+    <p:ext uri="{EFAFB233-063F-42B5-8137-9DF3F51BA10A}">
+      <p15:sldGuideLst xmlns:p15="http://schemas.microsoft.com/office/powerpoint/2012/main"/>
+    </p:ext>
+  </p:extLst>
 </p:presentation>
 </file>
 
@@ -3445,27 +3452,11 @@
             </a:pPr>
             <a:r>
               <a:rPr lang="en-US" dirty="0"/>
-              <a:t>Penetration testing- this is a subset of ethical hacking, We will learn about Metasploit, </a:t>
+              <a:t>Penetration testing- this is a subset of ethical hacking, We will learn about Metasploit, using it to learn about vulnerability analysis and how to install backdoors in different computer systems and take advantage of the </a:t>
             </a:r>
             <a:r>
               <a:rPr lang="en-US" dirty="0" err="1"/>
-              <a:t>usig</a:t>
-            </a:r>
-            <a:r>
-              <a:rPr lang="en-US" dirty="0"/>
-              <a:t> it to learn </a:t>
-            </a:r>
-            <a:r>
-              <a:rPr lang="en-US" dirty="0" err="1"/>
-              <a:t>abour</a:t>
-            </a:r>
-            <a:r>
-              <a:rPr lang="en-US" dirty="0"/>
-              <a:t> vulnerability analysis and how to install backdoors in different computer systems and take advantage of the </a:t>
-            </a:r>
-            <a:r>
-              <a:rPr lang="en-US" dirty="0" err="1"/>
-              <a:t>vuilnerabilites</a:t>
+              <a:t>vulnerabilites</a:t>
             </a:r>
             <a:r>
               <a:rPr lang="en-US" dirty="0"/>
@@ -3538,20 +3529,8 @@
               <a:buAutoNum type="arabicPeriod"/>
             </a:pPr>
             <a:r>
-              <a:rPr lang="en-US" dirty="0" err="1"/>
-              <a:t>Intervies</a:t>
-            </a:r>
-            <a:r>
               <a:rPr lang="en-US" dirty="0"/>
-              <a:t> question- we will see com </a:t>
-            </a:r>
-            <a:r>
-              <a:rPr lang="en-US" dirty="0" err="1"/>
-              <a:t>mon</a:t>
-            </a:r>
-            <a:r>
-              <a:rPr lang="en-US" dirty="0"/>
-              <a:t> interview questions that come along with these job profiles.</a:t>
+              <a:t>Interviews question- we will see common interview questions that come along with these job profiles.</a:t>
             </a:r>
           </a:p>
           <a:p>
@@ -3659,6 +3638,68 @@
           <a:bodyPr/>
           <a:lstStyle/>
           <a:p>
+            <a:pPr algn="l"/>
+            <a:r>
+              <a:rPr lang="en-US" dirty="0"/>
+              <a:t>We will discuss on:</a:t>
+            </a:r>
+          </a:p>
+          <a:p>
+            <a:pPr marL="514350" indent="-514350" algn="l">
+              <a:buFont typeface="+mj-lt"/>
+              <a:buAutoNum type="romanUcPeriod"/>
+            </a:pPr>
+            <a:r>
+              <a:rPr lang="en-US" dirty="0"/>
+              <a:t>Why we need cybersecurity</a:t>
+            </a:r>
+          </a:p>
+          <a:p>
+            <a:pPr marL="514350" indent="-514350" algn="l">
+              <a:buFont typeface="+mj-lt"/>
+              <a:buAutoNum type="romanUcPeriod"/>
+            </a:pPr>
+            <a:r>
+              <a:rPr lang="en-US" dirty="0"/>
+              <a:t>What is cyber security</a:t>
+            </a:r>
+          </a:p>
+          <a:p>
+            <a:pPr marL="514350" indent="-514350" algn="l">
+              <a:buFont typeface="+mj-lt"/>
+              <a:buAutoNum type="romanUcPeriod"/>
+            </a:pPr>
+            <a:r>
+              <a:rPr lang="en-US" dirty="0"/>
+              <a:t>The CIA triad</a:t>
+            </a:r>
+          </a:p>
+          <a:p>
+            <a:pPr marL="514350" indent="-514350" algn="l">
+              <a:buFont typeface="+mj-lt"/>
+              <a:buAutoNum type="romanUcPeriod"/>
+            </a:pPr>
+            <a:r>
+              <a:rPr lang="en-US" dirty="0"/>
+              <a:t>Vulnerability, threat and risk</a:t>
+            </a:r>
+          </a:p>
+          <a:p>
+            <a:pPr marL="514350" indent="-514350" algn="l">
+              <a:buFont typeface="+mj-lt"/>
+              <a:buAutoNum type="romanUcPeriod"/>
+            </a:pPr>
+            <a:r>
+              <a:rPr lang="en-US" dirty="0"/>
+              <a:t>Cognitive cyber security</a:t>
+            </a:r>
+          </a:p>
+          <a:p>
+            <a:pPr algn="l"/>
+            <a:endParaRPr lang="en-US" dirty="0"/>
+          </a:p>
+          <a:p>
+            <a:pPr algn="l"/>
             <a:endParaRPr lang="en-US" dirty="0"/>
           </a:p>
         </p:txBody>
@@ -3667,6 +3708,454 @@
     <p:extLst>
       <p:ext uri="{BB962C8B-B14F-4D97-AF65-F5344CB8AC3E}">
         <p14:creationId xmlns:p14="http://schemas.microsoft.com/office/powerpoint/2010/main" val="271682707"/>
+      </p:ext>
+    </p:extLst>
+  </p:cSld>
+  <p:clrMapOvr>
+    <a:masterClrMapping/>
+  </p:clrMapOvr>
+</p:sld>
+</file>
+
+<file path=ppt/slides/slide3.xml><?xml version="1.0" encoding="utf-8"?>
+<p:sld xmlns:a="http://schemas.openxmlformats.org/drawingml/2006/main" xmlns:r="http://schemas.openxmlformats.org/officeDocument/2006/relationships" xmlns:p="http://schemas.openxmlformats.org/presentationml/2006/main">
+  <p:cSld>
+    <p:spTree>
+      <p:nvGrpSpPr>
+        <p:cNvPr id="1" name=""/>
+        <p:cNvGrpSpPr/>
+        <p:nvPr/>
+      </p:nvGrpSpPr>
+      <p:grpSpPr>
+        <a:xfrm>
+          <a:off x="0" y="0"/>
+          <a:ext cx="0" cy="0"/>
+          <a:chOff x="0" y="0"/>
+          <a:chExt cx="0" cy="0"/>
+        </a:xfrm>
+      </p:grpSpPr>
+      <p:sp>
+        <p:nvSpPr>
+          <p:cNvPr id="2" name="Title 1">
+            <a:extLst>
+              <a:ext uri="{FF2B5EF4-FFF2-40B4-BE49-F238E27FC236}">
+                <a16:creationId xmlns:a16="http://schemas.microsoft.com/office/drawing/2014/main" id="{F8A5ED19-1186-DF96-2283-8AACC5E3E8DE}"/>
+              </a:ext>
+            </a:extLst>
+          </p:cNvPr>
+          <p:cNvSpPr>
+            <a:spLocks noGrp="1"/>
+          </p:cNvSpPr>
+          <p:nvPr>
+            <p:ph type="title"/>
+          </p:nvPr>
+        </p:nvSpPr>
+        <p:spPr/>
+        <p:txBody>
+          <a:bodyPr/>
+          <a:lstStyle/>
+          <a:p>
+            <a:r>
+              <a:rPr lang="en-US" dirty="0"/>
+              <a:t>	Why we need Cyber Security</a:t>
+            </a:r>
+          </a:p>
+        </p:txBody>
+      </p:sp>
+      <p:sp>
+        <p:nvSpPr>
+          <p:cNvPr id="3" name="Content Placeholder 2">
+            <a:extLst>
+              <a:ext uri="{FF2B5EF4-FFF2-40B4-BE49-F238E27FC236}">
+                <a16:creationId xmlns:a16="http://schemas.microsoft.com/office/drawing/2014/main" id="{24A73041-3BBB-736C-2536-B1C5C4A8E7A9}"/>
+              </a:ext>
+            </a:extLst>
+          </p:cNvPr>
+          <p:cNvSpPr>
+            <a:spLocks noGrp="1"/>
+          </p:cNvSpPr>
+          <p:nvPr>
+            <p:ph idx="1"/>
+          </p:nvPr>
+        </p:nvSpPr>
+        <p:spPr>
+          <a:xfrm>
+            <a:off x="838199" y="1463040"/>
+            <a:ext cx="11105271" cy="5176911"/>
+          </a:xfrm>
+        </p:spPr>
+        <p:txBody>
+          <a:bodyPr>
+            <a:normAutofit fontScale="77500" lnSpcReduction="20000"/>
+          </a:bodyPr>
+          <a:lstStyle/>
+          <a:p>
+            <a:r>
+              <a:rPr lang="en-US" dirty="0"/>
+              <a:t>We are living in a digital era: whether booking a hotel room or ordering some dinner or booking a cab, we are using the internet and generating data. This data is stored on the cloud, which is a huge data server/center that you can access online. We also use an array of devices to access this data.                                                                          </a:t>
+            </a:r>
+          </a:p>
+          <a:p>
+            <a:pPr marL="0" indent="0">
+              <a:buNone/>
+            </a:pPr>
+            <a:endParaRPr lang="en-US" dirty="0"/>
+          </a:p>
+          <a:p>
+            <a:endParaRPr lang="en-US" dirty="0"/>
+          </a:p>
+          <a:p>
+            <a:endParaRPr lang="en-US" dirty="0"/>
+          </a:p>
+          <a:p>
+            <a:endParaRPr lang="en-US" dirty="0"/>
+          </a:p>
+          <a:p>
+            <a:endParaRPr lang="en-US" dirty="0"/>
+          </a:p>
+          <a:p>
+            <a:pPr marL="0" indent="0">
+              <a:buNone/>
+            </a:pPr>
+            <a:r>
+              <a:rPr lang="en-US" dirty="0"/>
+              <a:t>Data Center</a:t>
+            </a:r>
+          </a:p>
+          <a:p>
+            <a:pPr marL="0" indent="0">
+              <a:buNone/>
+            </a:pPr>
+            <a:endParaRPr lang="en-US" dirty="0"/>
+          </a:p>
+          <a:p>
+            <a:r>
+              <a:rPr lang="en-US" dirty="0"/>
+              <a:t>For an hacker it’s a golden age with so many access points public IP Addresses and constant traffic and tons of data to exploit black hat hackers are having one hell of a time exploiting vulnerabilities and creating malicious software for the same</a:t>
+            </a:r>
+          </a:p>
+          <a:p>
+            <a:r>
+              <a:rPr lang="en-US" dirty="0"/>
+              <a:t>Cyber attacks are evolving by the day and hackers are becoming smarter and more creative with their malwares and how they bypass virus scans and firewalls</a:t>
+            </a:r>
+          </a:p>
+          <a:p>
+            <a:endParaRPr lang="en-US" dirty="0"/>
+          </a:p>
+        </p:txBody>
+      </p:sp>
+      <p:pic>
+        <p:nvPicPr>
+          <p:cNvPr id="5" name="Picture 4">
+            <a:extLst>
+              <a:ext uri="{FF2B5EF4-FFF2-40B4-BE49-F238E27FC236}">
+                <a16:creationId xmlns:a16="http://schemas.microsoft.com/office/drawing/2014/main" id="{212C0DEE-5C7A-59CC-02F2-C639773BEA84}"/>
+              </a:ext>
+            </a:extLst>
+          </p:cNvPr>
+          <p:cNvPicPr>
+            <a:picLocks noChangeAspect="1"/>
+          </p:cNvPicPr>
+          <p:nvPr/>
+        </p:nvPicPr>
+        <p:blipFill>
+          <a:blip r:embed="rId2">
+            <a:extLst>
+              <a:ext uri="{28A0092B-C50C-407E-A947-70E740481C1C}">
+                <a14:useLocalDpi xmlns:a14="http://schemas.microsoft.com/office/drawing/2010/main" val="0"/>
+              </a:ext>
+              <a:ext uri="{837473B0-CC2E-450A-ABE3-18F120FF3D39}">
+                <a1611:picAttrSrcUrl xmlns:a1611="http://schemas.microsoft.com/office/drawing/2016/11/main" r:id="rId3"/>
+              </a:ext>
+            </a:extLst>
+          </a:blip>
+          <a:stretch>
+            <a:fillRect/>
+          </a:stretch>
+        </p:blipFill>
+        <p:spPr>
+          <a:xfrm>
+            <a:off x="838198" y="2774536"/>
+            <a:ext cx="2773686" cy="1644042"/>
+          </a:xfrm>
+          <a:prstGeom prst="rect">
+            <a:avLst/>
+          </a:prstGeom>
+        </p:spPr>
+      </p:pic>
+      <p:pic>
+        <p:nvPicPr>
+          <p:cNvPr id="6" name="Picture 5">
+            <a:extLst>
+              <a:ext uri="{FF2B5EF4-FFF2-40B4-BE49-F238E27FC236}">
+                <a16:creationId xmlns:a16="http://schemas.microsoft.com/office/drawing/2014/main" id="{BEFBCB72-CB4A-DC77-F3B8-8EBC87FE26AE}"/>
+              </a:ext>
+            </a:extLst>
+          </p:cNvPr>
+          <p:cNvPicPr>
+            <a:picLocks noChangeAspect="1"/>
+          </p:cNvPicPr>
+          <p:nvPr/>
+        </p:nvPicPr>
+        <p:blipFill>
+          <a:blip r:embed="rId4">
+            <a:extLst>
+              <a:ext uri="{28A0092B-C50C-407E-A947-70E740481C1C}">
+                <a14:useLocalDpi xmlns:a14="http://schemas.microsoft.com/office/drawing/2010/main" val="0"/>
+              </a:ext>
+              <a:ext uri="{837473B0-CC2E-450A-ABE3-18F120FF3D39}">
+                <a1611:picAttrSrcUrl xmlns:a1611="http://schemas.microsoft.com/office/drawing/2016/11/main" r:id="rId5"/>
+              </a:ext>
+            </a:extLst>
+          </a:blip>
+          <a:stretch>
+            <a:fillRect/>
+          </a:stretch>
+        </p:blipFill>
+        <p:spPr>
+          <a:xfrm>
+            <a:off x="6822830" y="2606979"/>
+            <a:ext cx="4923692" cy="2049427"/>
+          </a:xfrm>
+          <a:prstGeom prst="rect">
+            <a:avLst/>
+          </a:prstGeom>
+        </p:spPr>
+      </p:pic>
+      <p:cxnSp>
+        <p:nvCxnSpPr>
+          <p:cNvPr id="10" name="Straight Arrow Connector 9">
+            <a:extLst>
+              <a:ext uri="{FF2B5EF4-FFF2-40B4-BE49-F238E27FC236}">
+                <a16:creationId xmlns:a16="http://schemas.microsoft.com/office/drawing/2014/main" id="{97D3070D-DF52-CBFC-4AFC-5D92DC4847AE}"/>
+              </a:ext>
+            </a:extLst>
+          </p:cNvPr>
+          <p:cNvCxnSpPr>
+            <a:cxnSpLocks/>
+          </p:cNvCxnSpPr>
+          <p:nvPr/>
+        </p:nvCxnSpPr>
+        <p:spPr>
+          <a:xfrm flipH="1">
+            <a:off x="3611884" y="3386797"/>
+            <a:ext cx="3210946" cy="0"/>
+          </a:xfrm>
+          <a:prstGeom prst="straightConnector1">
+            <a:avLst/>
+          </a:prstGeom>
+          <a:ln>
+            <a:tailEnd type="triangle"/>
+          </a:ln>
+        </p:spPr>
+        <p:style>
+          <a:lnRef idx="1">
+            <a:schemeClr val="accent1"/>
+          </a:lnRef>
+          <a:fillRef idx="0">
+            <a:schemeClr val="accent1"/>
+          </a:fillRef>
+          <a:effectRef idx="0">
+            <a:schemeClr val="accent1"/>
+          </a:effectRef>
+          <a:fontRef idx="minor">
+            <a:schemeClr val="tx1"/>
+          </a:fontRef>
+        </p:style>
+      </p:cxnSp>
+    </p:spTree>
+    <p:extLst>
+      <p:ext uri="{BB962C8B-B14F-4D97-AF65-F5344CB8AC3E}">
+        <p14:creationId xmlns:p14="http://schemas.microsoft.com/office/powerpoint/2010/main" val="2895208852"/>
+      </p:ext>
+    </p:extLst>
+  </p:cSld>
+  <p:clrMapOvr>
+    <a:masterClrMapping/>
+  </p:clrMapOvr>
+</p:sld>
+</file>
+
+<file path=ppt/slides/slide4.xml><?xml version="1.0" encoding="utf-8"?>
+<p:sld xmlns:a="http://schemas.openxmlformats.org/drawingml/2006/main" xmlns:r="http://schemas.openxmlformats.org/officeDocument/2006/relationships" xmlns:p="http://schemas.openxmlformats.org/presentationml/2006/main">
+  <p:cSld>
+    <p:spTree>
+      <p:nvGrpSpPr>
+        <p:cNvPr id="1" name=""/>
+        <p:cNvGrpSpPr/>
+        <p:nvPr/>
+      </p:nvGrpSpPr>
+      <p:grpSpPr>
+        <a:xfrm>
+          <a:off x="0" y="0"/>
+          <a:ext cx="0" cy="0"/>
+          <a:chOff x="0" y="0"/>
+          <a:chExt cx="0" cy="0"/>
+        </a:xfrm>
+      </p:grpSpPr>
+      <p:sp>
+        <p:nvSpPr>
+          <p:cNvPr id="2" name="Title 1">
+            <a:extLst>
+              <a:ext uri="{FF2B5EF4-FFF2-40B4-BE49-F238E27FC236}">
+                <a16:creationId xmlns:a16="http://schemas.microsoft.com/office/drawing/2014/main" id="{3E2934B3-9D1E-43CA-03C5-CE506FDD82E4}"/>
+              </a:ext>
+            </a:extLst>
+          </p:cNvPr>
+          <p:cNvSpPr>
+            <a:spLocks noGrp="1"/>
+          </p:cNvSpPr>
+          <p:nvPr>
+            <p:ph type="title"/>
+          </p:nvPr>
+        </p:nvSpPr>
+        <p:spPr>
+          <a:xfrm>
+            <a:off x="168812" y="203983"/>
+            <a:ext cx="11816862" cy="893297"/>
+          </a:xfrm>
+        </p:spPr>
+        <p:txBody>
+          <a:bodyPr/>
+          <a:lstStyle/>
+          <a:p>
+            <a:pPr algn="ctr"/>
+            <a:r>
+              <a:rPr lang="en-US" dirty="0"/>
+              <a:t>CYBER THREATS</a:t>
+            </a:r>
+          </a:p>
+        </p:txBody>
+      </p:sp>
+      <p:sp>
+        <p:nvSpPr>
+          <p:cNvPr id="3" name="Content Placeholder 2">
+            <a:extLst>
+              <a:ext uri="{FF2B5EF4-FFF2-40B4-BE49-F238E27FC236}">
+                <a16:creationId xmlns:a16="http://schemas.microsoft.com/office/drawing/2014/main" id="{8898B810-8CF1-6860-528A-10FAF84CC71A}"/>
+              </a:ext>
+            </a:extLst>
+          </p:cNvPr>
+          <p:cNvSpPr>
+            <a:spLocks noGrp="1"/>
+          </p:cNvSpPr>
+          <p:nvPr>
+            <p:ph idx="1"/>
+          </p:nvPr>
+        </p:nvSpPr>
+        <p:spPr>
+          <a:xfrm>
+            <a:off x="168812" y="1392702"/>
+            <a:ext cx="11816862" cy="5261315"/>
+          </a:xfrm>
+        </p:spPr>
+        <p:txBody>
+          <a:bodyPr>
+            <a:normAutofit lnSpcReduction="10000"/>
+          </a:bodyPr>
+          <a:lstStyle/>
+          <a:p>
+            <a:pPr marL="0" indent="0" algn="ctr">
+              <a:buNone/>
+            </a:pPr>
+            <a:r>
+              <a:rPr lang="en-US" b="1" dirty="0"/>
+              <a:t>Types of Cyber Attacks</a:t>
+            </a:r>
+          </a:p>
+          <a:p>
+            <a:pPr marL="514350" indent="-514350">
+              <a:buFont typeface="+mj-lt"/>
+              <a:buAutoNum type="arabicPeriod"/>
+            </a:pPr>
+            <a:r>
+              <a:rPr lang="en-US" dirty="0"/>
+              <a:t>Malware- this is a code with malicious intent that typically steals data or destroys something on </a:t>
+            </a:r>
+            <a:r>
+              <a:rPr lang="en-US"/>
+              <a:t>the computer.</a:t>
+            </a:r>
+            <a:endParaRPr lang="en-US" dirty="0"/>
+          </a:p>
+          <a:p>
+            <a:pPr marL="514350" indent="-514350">
+              <a:buFont typeface="+mj-lt"/>
+              <a:buAutoNum type="arabicPeriod"/>
+            </a:pPr>
+            <a:r>
+              <a:rPr lang="en-US" dirty="0"/>
+              <a:t>Phishing- often poses as a request for data from a trusted third party, these attacks are sent via email and ask users to click on a link and enter their personal data.</a:t>
+            </a:r>
+          </a:p>
+          <a:p>
+            <a:pPr marL="514350" indent="-514350">
+              <a:buFont typeface="+mj-lt"/>
+              <a:buAutoNum type="arabicPeriod"/>
+            </a:pPr>
+            <a:r>
+              <a:rPr lang="en-US" dirty="0"/>
+              <a:t>Password attacks</a:t>
+            </a:r>
+          </a:p>
+          <a:p>
+            <a:pPr marL="514350" indent="-514350">
+              <a:buFont typeface="+mj-lt"/>
+              <a:buAutoNum type="arabicPeriod"/>
+            </a:pPr>
+            <a:r>
+              <a:rPr lang="en-US" dirty="0"/>
+              <a:t>DDoS</a:t>
+            </a:r>
+          </a:p>
+          <a:p>
+            <a:pPr marL="514350" indent="-514350">
+              <a:buFont typeface="+mj-lt"/>
+              <a:buAutoNum type="arabicPeriod"/>
+            </a:pPr>
+            <a:r>
+              <a:rPr lang="en-US" dirty="0"/>
+              <a:t>Man In The middle attack</a:t>
+            </a:r>
+          </a:p>
+          <a:p>
+            <a:pPr marL="514350" indent="-514350">
+              <a:buFont typeface="+mj-lt"/>
+              <a:buAutoNum type="arabicPeriod"/>
+            </a:pPr>
+            <a:r>
+              <a:rPr lang="en-US" dirty="0"/>
+              <a:t>Drive-By Downloads</a:t>
+            </a:r>
+          </a:p>
+          <a:p>
+            <a:pPr marL="514350" indent="-514350">
+              <a:buFont typeface="+mj-lt"/>
+              <a:buAutoNum type="arabicPeriod"/>
+            </a:pPr>
+            <a:r>
+              <a:rPr lang="en-US" dirty="0" err="1"/>
+              <a:t>Maladvertising</a:t>
+            </a:r>
+            <a:endParaRPr lang="en-US" dirty="0"/>
+          </a:p>
+          <a:p>
+            <a:pPr marL="514350" indent="-514350">
+              <a:buFont typeface="+mj-lt"/>
+              <a:buAutoNum type="arabicPeriod"/>
+            </a:pPr>
+            <a:r>
+              <a:rPr lang="en-US" dirty="0"/>
+              <a:t>Rogue Software</a:t>
+            </a:r>
+          </a:p>
+        </p:txBody>
+      </p:sp>
+    </p:spTree>
+    <p:extLst>
+      <p:ext uri="{BB962C8B-B14F-4D97-AF65-F5344CB8AC3E}">
+        <p14:creationId xmlns:p14="http://schemas.microsoft.com/office/powerpoint/2010/main" val="1385505504"/>
       </p:ext>
     </p:extLst>
   </p:cSld>
